--- a/Presentations/presentation1.pptx
+++ b/Presentations/presentation1.pptx
@@ -11,9 +11,8 @@
     <p:sldId id="259" r:id="rId5"/>
     <p:sldId id="260" r:id="rId6"/>
     <p:sldId id="261" r:id="rId7"/>
-    <p:sldId id="263" r:id="rId8"/>
-    <p:sldId id="262" r:id="rId9"/>
-    <p:sldId id="264" r:id="rId10"/>
+    <p:sldId id="262" r:id="rId8"/>
+    <p:sldId id="264" r:id="rId9"/>
   </p:sldIdLst>
   <p:sldSz cx="9144000" cy="6858000" type="screen4x3"/>
   <p:notesSz cx="6858000" cy="9144000"/>
@@ -296,7 +295,7 @@
           <a:p>
             <a:fld id="{DAEDBA25-6A76-4D46-83CC-22CFBFA17E89}" type="datetimeFigureOut">
               <a:rPr lang="en-GB" smtClean="0"/>
-              <a:t>17/10/2016</a:t>
+              <a:t>18/10/2016</a:t>
             </a:fld>
             <a:endParaRPr lang="en-GB"/>
           </a:p>
@@ -466,7 +465,7 @@
           <a:p>
             <a:fld id="{DAEDBA25-6A76-4D46-83CC-22CFBFA17E89}" type="datetimeFigureOut">
               <a:rPr lang="en-GB" smtClean="0"/>
-              <a:t>17/10/2016</a:t>
+              <a:t>18/10/2016</a:t>
             </a:fld>
             <a:endParaRPr lang="en-GB"/>
           </a:p>
@@ -646,7 +645,7 @@
           <a:p>
             <a:fld id="{DAEDBA25-6A76-4D46-83CC-22CFBFA17E89}" type="datetimeFigureOut">
               <a:rPr lang="en-GB" smtClean="0"/>
-              <a:t>17/10/2016</a:t>
+              <a:t>18/10/2016</a:t>
             </a:fld>
             <a:endParaRPr lang="en-GB"/>
           </a:p>
@@ -816,7 +815,7 @@
           <a:p>
             <a:fld id="{DAEDBA25-6A76-4D46-83CC-22CFBFA17E89}" type="datetimeFigureOut">
               <a:rPr lang="en-GB" smtClean="0"/>
-              <a:t>17/10/2016</a:t>
+              <a:t>18/10/2016</a:t>
             </a:fld>
             <a:endParaRPr lang="en-GB"/>
           </a:p>
@@ -1062,7 +1061,7 @@
           <a:p>
             <a:fld id="{DAEDBA25-6A76-4D46-83CC-22CFBFA17E89}" type="datetimeFigureOut">
               <a:rPr lang="en-GB" smtClean="0"/>
-              <a:t>17/10/2016</a:t>
+              <a:t>18/10/2016</a:t>
             </a:fld>
             <a:endParaRPr lang="en-GB"/>
           </a:p>
@@ -1350,7 +1349,7 @@
           <a:p>
             <a:fld id="{DAEDBA25-6A76-4D46-83CC-22CFBFA17E89}" type="datetimeFigureOut">
               <a:rPr lang="en-GB" smtClean="0"/>
-              <a:t>17/10/2016</a:t>
+              <a:t>18/10/2016</a:t>
             </a:fld>
             <a:endParaRPr lang="en-GB"/>
           </a:p>
@@ -1772,7 +1771,7 @@
           <a:p>
             <a:fld id="{DAEDBA25-6A76-4D46-83CC-22CFBFA17E89}" type="datetimeFigureOut">
               <a:rPr lang="en-GB" smtClean="0"/>
-              <a:t>17/10/2016</a:t>
+              <a:t>18/10/2016</a:t>
             </a:fld>
             <a:endParaRPr lang="en-GB"/>
           </a:p>
@@ -1890,7 +1889,7 @@
           <a:p>
             <a:fld id="{DAEDBA25-6A76-4D46-83CC-22CFBFA17E89}" type="datetimeFigureOut">
               <a:rPr lang="en-GB" smtClean="0"/>
-              <a:t>17/10/2016</a:t>
+              <a:t>18/10/2016</a:t>
             </a:fld>
             <a:endParaRPr lang="en-GB"/>
           </a:p>
@@ -1985,7 +1984,7 @@
           <a:p>
             <a:fld id="{DAEDBA25-6A76-4D46-83CC-22CFBFA17E89}" type="datetimeFigureOut">
               <a:rPr lang="en-GB" smtClean="0"/>
-              <a:t>17/10/2016</a:t>
+              <a:t>18/10/2016</a:t>
             </a:fld>
             <a:endParaRPr lang="en-GB"/>
           </a:p>
@@ -2262,7 +2261,7 @@
           <a:p>
             <a:fld id="{DAEDBA25-6A76-4D46-83CC-22CFBFA17E89}" type="datetimeFigureOut">
               <a:rPr lang="en-GB" smtClean="0"/>
-              <a:t>17/10/2016</a:t>
+              <a:t>18/10/2016</a:t>
             </a:fld>
             <a:endParaRPr lang="en-GB"/>
           </a:p>
@@ -2515,7 +2514,7 @@
           <a:p>
             <a:fld id="{DAEDBA25-6A76-4D46-83CC-22CFBFA17E89}" type="datetimeFigureOut">
               <a:rPr lang="en-GB" smtClean="0"/>
-              <a:t>17/10/2016</a:t>
+              <a:t>18/10/2016</a:t>
             </a:fld>
             <a:endParaRPr lang="en-GB"/>
           </a:p>
@@ -2728,7 +2727,7 @@
           <a:p>
             <a:fld id="{DAEDBA25-6A76-4D46-83CC-22CFBFA17E89}" type="datetimeFigureOut">
               <a:rPr lang="en-GB" smtClean="0"/>
-              <a:t>17/10/2016</a:t>
+              <a:t>18/10/2016</a:t>
             </a:fld>
             <a:endParaRPr lang="en-GB"/>
           </a:p>
@@ -3346,12 +3345,6 @@
           <a:p>
             <a:r>
               <a:rPr lang="en-GB" dirty="0" smtClean="0"/>
-              <a:t>Easy fun, serious fun and hard fun.</a:t>
-            </a:r>
-          </a:p>
-          <a:p>
-            <a:r>
-              <a:rPr lang="en-GB" dirty="0" smtClean="0"/>
               <a:t>Player Types: Explorers, </a:t>
             </a:r>
             <a:r>
@@ -3437,16 +3430,34 @@
         </p:nvSpPr>
         <p:spPr/>
         <p:txBody>
-          <a:bodyPr/>
-          <a:lstStyle/>
-          <a:p>
+          <a:bodyPr>
+            <a:normAutofit fontScale="92500" lnSpcReduction="10000"/>
+          </a:bodyPr>
+          <a:lstStyle/>
+          <a:p>
+            <a:r>
+              <a:rPr lang="en-GB" dirty="0" err="1"/>
+              <a:t>Occhiolism</a:t>
+            </a:r>
+            <a:r>
+              <a:rPr lang="en-GB" dirty="0"/>
+              <a:t>.</a:t>
+            </a:r>
+          </a:p>
+          <a:p>
+            <a:r>
+              <a:rPr lang="en-GB" dirty="0" err="1"/>
+              <a:t>Chrysalism</a:t>
+            </a:r>
             <a:r>
               <a:rPr lang="en-GB" dirty="0" smtClean="0"/>
-              <a:t>An </a:t>
-            </a:r>
+              <a:t>.</a:t>
+            </a:r>
+          </a:p>
+          <a:p>
             <a:r>
               <a:rPr lang="en-GB" dirty="0" smtClean="0"/>
-              <a:t>point and click adventure.</a:t>
+              <a:t>An point and click adventure.</a:t>
             </a:r>
           </a:p>
           <a:p>
@@ -3454,31 +3465,17 @@
               <a:rPr lang="en-GB" dirty="0" smtClean="0"/>
               <a:t>A witch has kidnapped the village children.</a:t>
             </a:r>
-            <a:endParaRPr lang="en-GB" dirty="0" smtClean="0"/>
           </a:p>
           <a:p>
             <a:r>
               <a:rPr lang="en-GB" dirty="0" smtClean="0"/>
-              <a:t>Players must find clues/items to discover the </a:t>
-            </a:r>
-            <a:r>
-              <a:rPr lang="en-GB" dirty="0" err="1" smtClean="0"/>
-              <a:t>childrens</a:t>
-            </a:r>
+              <a:t>Players must find clues/items and complete puzzles to progress.</a:t>
+            </a:r>
+          </a:p>
+          <a:p>
             <a:r>
               <a:rPr lang="en-GB" dirty="0" smtClean="0"/>
-              <a:t> location and confirm/deny the witches guilt.</a:t>
-            </a:r>
-            <a:endParaRPr lang="en-GB" dirty="0" smtClean="0"/>
-          </a:p>
-          <a:p>
-            <a:r>
-              <a:rPr lang="en-GB" dirty="0" smtClean="0"/>
-              <a:t>Win Condition</a:t>
-            </a:r>
-            <a:r>
-              <a:rPr lang="en-GB" dirty="0" smtClean="0"/>
-              <a:t>: When the player has collected all items and solved the mystery of the location of the children.</a:t>
+              <a:t>Win Condition: When the player has collected all items and solved the mystery of the location of the children.</a:t>
             </a:r>
             <a:endParaRPr lang="en-GB" dirty="0"/>
           </a:p>
@@ -3566,21 +3563,18 @@
               <a:rPr lang="en-GB" dirty="0" smtClean="0"/>
               <a:t>Movement (point and click at edge of screen).</a:t>
             </a:r>
-            <a:endParaRPr lang="en-GB" dirty="0" smtClean="0"/>
           </a:p>
           <a:p>
             <a:r>
               <a:rPr lang="en-GB" dirty="0" smtClean="0"/>
               <a:t>Point and Click</a:t>
             </a:r>
-            <a:endParaRPr lang="en-GB" dirty="0" smtClean="0"/>
           </a:p>
           <a:p>
             <a:r>
               <a:rPr lang="en-GB" dirty="0" smtClean="0"/>
               <a:t>Collecting</a:t>
             </a:r>
-            <a:endParaRPr lang="en-GB" dirty="0" smtClean="0"/>
           </a:p>
           <a:p>
             <a:r>
@@ -3593,6 +3587,15 @@
               <a:rPr lang="en-GB" dirty="0" smtClean="0"/>
               <a:t>Combining Items</a:t>
             </a:r>
+          </a:p>
+          <a:p>
+            <a:r>
+              <a:rPr lang="en-GB" dirty="0" smtClean="0"/>
+              <a:t>Twitch/precision timed events.</a:t>
+            </a:r>
+          </a:p>
+          <a:p>
+            <a:endParaRPr lang="en-GB" dirty="0" smtClean="0"/>
           </a:p>
           <a:p>
             <a:pPr marL="0" indent="0">
@@ -3688,25 +3691,20 @@
           <a:p>
             <a:r>
               <a:rPr lang="en-GB" dirty="0" smtClean="0"/>
-              <a:t>By noticing the clues, collecting all of the objects.</a:t>
+              <a:t>By interacting with NPCs.</a:t>
             </a:r>
           </a:p>
           <a:p>
             <a:r>
               <a:rPr lang="en-GB" dirty="0" smtClean="0"/>
-              <a:t>By looking for </a:t>
-            </a:r>
+              <a:t>Quick progression between objectives to keep the players interest and to offer intrinsic rewards.</a:t>
+            </a:r>
+          </a:p>
+          <a:p>
             <a:r>
               <a:rPr lang="en-GB" dirty="0" smtClean="0"/>
-              <a:t>some clues and objects.</a:t>
-            </a:r>
-            <a:endParaRPr lang="en-GB" dirty="0" smtClean="0"/>
-          </a:p>
-          <a:p>
-            <a:pPr marL="0" indent="0">
-              <a:buNone/>
-            </a:pPr>
-            <a:endParaRPr lang="en-GB" dirty="0" smtClean="0"/>
+              <a:t>The protagonists house.</a:t>
+            </a:r>
           </a:p>
           <a:p>
             <a:endParaRPr lang="en-GB" dirty="0"/>
@@ -3789,66 +3787,33 @@
         <p:spPr/>
         <p:txBody>
           <a:bodyPr>
-            <a:normAutofit lnSpcReduction="10000"/>
+            <a:normAutofit/>
           </a:bodyPr>
           <a:lstStyle/>
           <a:p>
             <a:r>
+              <a:rPr lang="en-GB" dirty="0"/>
+              <a:t>Easy fun, serious fun and hard fun.</a:t>
+            </a:r>
+          </a:p>
+          <a:p>
+            <a:r>
               <a:rPr lang="en-GB" dirty="0" smtClean="0"/>
-              <a:t>Tension </a:t>
-            </a:r>
+              <a:t>Mental challenge of finding clues/combining clues.</a:t>
+            </a:r>
+          </a:p>
+          <a:p>
             <a:r>
               <a:rPr lang="en-GB" dirty="0" smtClean="0"/>
-              <a:t>and release </a:t>
+              <a:t>Encourage the subconscious negative </a:t>
+            </a:r>
+            <a:r>
+              <a:rPr lang="en-GB" dirty="0" err="1" smtClean="0"/>
+              <a:t>assosiation</a:t>
             </a:r>
             <a:r>
               <a:rPr lang="en-GB" dirty="0" smtClean="0"/>
-              <a:t>cycles as the </a:t>
-            </a:r>
-            <a:r>
-              <a:rPr lang="en-GB" dirty="0" err="1" smtClean="0"/>
-              <a:t>childrens</a:t>
-            </a:r>
-            <a:r>
-              <a:rPr lang="en-GB" dirty="0" smtClean="0"/>
-              <a:t> location is revealed/when discovering the “depravity” of the witch.</a:t>
-            </a:r>
-          </a:p>
-          <a:p>
-            <a:r>
-              <a:rPr lang="en-GB" dirty="0" smtClean="0"/>
-              <a:t>Dread/Anxiety about the children’s state of being.</a:t>
-            </a:r>
-            <a:endParaRPr lang="en-GB" dirty="0" smtClean="0"/>
-          </a:p>
-          <a:p>
-            <a:r>
-              <a:rPr lang="en-GB" dirty="0" smtClean="0"/>
-              <a:t>Mental </a:t>
-            </a:r>
-            <a:r>
-              <a:rPr lang="en-GB" dirty="0" smtClean="0"/>
-              <a:t>challenge of finding clues/combining clues.</a:t>
-            </a:r>
-          </a:p>
-          <a:p>
-            <a:r>
-              <a:rPr lang="en-GB" dirty="0" err="1" smtClean="0"/>
-              <a:t>Occhiolism</a:t>
-            </a:r>
-            <a:r>
-              <a:rPr lang="en-GB" dirty="0" smtClean="0"/>
-              <a:t>.</a:t>
-            </a:r>
-          </a:p>
-          <a:p>
-            <a:r>
-              <a:rPr lang="en-GB" dirty="0" err="1" smtClean="0"/>
-              <a:t>Chrysalism</a:t>
-            </a:r>
-            <a:r>
-              <a:rPr lang="en-GB" dirty="0" smtClean="0"/>
-              <a:t>.</a:t>
+              <a:t> with the witch.</a:t>
             </a:r>
           </a:p>
           <a:p>
@@ -3901,78 +3866,6 @@
         </p:nvSpPr>
         <p:spPr/>
         <p:txBody>
-          <a:bodyPr/>
-          <a:lstStyle/>
-          <a:p>
-            <a:r>
-              <a:rPr lang="en-GB" dirty="0" smtClean="0"/>
-              <a:t>Aesthetics Part 2</a:t>
-            </a:r>
-            <a:endParaRPr lang="en-GB" dirty="0"/>
-          </a:p>
-        </p:txBody>
-      </p:sp>
-      <p:sp>
-        <p:nvSpPr>
-          <p:cNvPr id="3" name="Content Placeholder 2"/>
-          <p:cNvSpPr>
-            <a:spLocks noGrp="1"/>
-          </p:cNvSpPr>
-          <p:nvPr>
-            <p:ph idx="1"/>
-          </p:nvPr>
-        </p:nvSpPr>
-        <p:spPr/>
-        <p:txBody>
-          <a:bodyPr/>
-          <a:lstStyle/>
-          <a:p>
-            <a:endParaRPr lang="en-GB" dirty="0"/>
-          </a:p>
-        </p:txBody>
-      </p:sp>
-    </p:spTree>
-    <p:extLst>
-      <p:ext uri="{BB962C8B-B14F-4D97-AF65-F5344CB8AC3E}">
-        <p14:creationId xmlns:p14="http://schemas.microsoft.com/office/powerpoint/2010/main" val="3867711678"/>
-      </p:ext>
-    </p:extLst>
-  </p:cSld>
-  <p:clrMapOvr>
-    <a:masterClrMapping/>
-  </p:clrMapOvr>
-</p:sld>
-</file>
-
-<file path=ppt/slides/slide8.xml><?xml version="1.0" encoding="utf-8"?>
-<p:sld xmlns:a="http://schemas.openxmlformats.org/drawingml/2006/main" xmlns:r="http://schemas.openxmlformats.org/officeDocument/2006/relationships" xmlns:p="http://schemas.openxmlformats.org/presentationml/2006/main">
-  <p:cSld>
-    <p:spTree>
-      <p:nvGrpSpPr>
-        <p:cNvPr id="1" name=""/>
-        <p:cNvGrpSpPr/>
-        <p:nvPr/>
-      </p:nvGrpSpPr>
-      <p:grpSpPr>
-        <a:xfrm>
-          <a:off x="0" y="0"/>
-          <a:ext cx="0" cy="0"/>
-          <a:chOff x="0" y="0"/>
-          <a:chExt cx="0" cy="0"/>
-        </a:xfrm>
-      </p:grpSpPr>
-      <p:sp>
-        <p:nvSpPr>
-          <p:cNvPr id="2" name="Title 1"/>
-          <p:cNvSpPr>
-            <a:spLocks noGrp="1"/>
-          </p:cNvSpPr>
-          <p:nvPr>
-            <p:ph type="title"/>
-          </p:nvPr>
-        </p:nvSpPr>
-        <p:spPr/>
-        <p:txBody>
           <a:bodyPr>
             <a:normAutofit/>
           </a:bodyPr>
@@ -4031,13 +3924,8 @@
                 <a:ea typeface="Tahoma" pitchFamily="34" charset="0"/>
                 <a:cs typeface="Tahoma" pitchFamily="34" charset="0"/>
               </a:rPr>
-              <a:t>Nathaniel:15</a:t>
-            </a:r>
-            <a:endParaRPr lang="en-GB" sz="2400" dirty="0" smtClean="0">
-              <a:latin typeface="Tahoma" pitchFamily="34" charset="0"/>
-              <a:ea typeface="Tahoma" pitchFamily="34" charset="0"/>
-              <a:cs typeface="Tahoma" pitchFamily="34" charset="0"/>
-            </a:endParaRPr>
+              <a:t>Nathaniel:13</a:t>
+            </a:r>
           </a:p>
           <a:p>
             <a:pPr marL="0" indent="0">
@@ -4049,13 +3937,8 @@
                 <a:ea typeface="Tahoma" pitchFamily="34" charset="0"/>
                 <a:cs typeface="Tahoma" pitchFamily="34" charset="0"/>
               </a:rPr>
-              <a:t>Henry:15</a:t>
-            </a:r>
-            <a:endParaRPr lang="en-GB" sz="2400" dirty="0" smtClean="0">
-              <a:latin typeface="Tahoma" pitchFamily="34" charset="0"/>
-              <a:ea typeface="Tahoma" pitchFamily="34" charset="0"/>
-              <a:cs typeface="Tahoma" pitchFamily="34" charset="0"/>
-            </a:endParaRPr>
+              <a:t>Henry:13</a:t>
+            </a:r>
           </a:p>
           <a:p>
             <a:pPr marL="0" indent="0">
@@ -4067,13 +3950,8 @@
                 <a:ea typeface="Tahoma" pitchFamily="34" charset="0"/>
                 <a:cs typeface="Tahoma" pitchFamily="34" charset="0"/>
               </a:rPr>
-              <a:t>Heather:15</a:t>
-            </a:r>
-            <a:endParaRPr lang="en-GB" sz="2400" dirty="0" smtClean="0">
-              <a:latin typeface="Tahoma" pitchFamily="34" charset="0"/>
-              <a:ea typeface="Tahoma" pitchFamily="34" charset="0"/>
-              <a:cs typeface="Tahoma" pitchFamily="34" charset="0"/>
-            </a:endParaRPr>
+              <a:t>Heather:13</a:t>
+            </a:r>
           </a:p>
           <a:p>
             <a:pPr marL="0" indent="0">
@@ -4108,13 +3986,8 @@
                 <a:ea typeface="Tahoma" pitchFamily="34" charset="0"/>
                 <a:cs typeface="Tahoma" pitchFamily="34" charset="0"/>
               </a:rPr>
-              <a:t>Nathaniel:9</a:t>
-            </a:r>
-            <a:endParaRPr lang="en-GB" sz="2400" dirty="0" smtClean="0">
-              <a:latin typeface="Tahoma" pitchFamily="34" charset="0"/>
-              <a:ea typeface="Tahoma" pitchFamily="34" charset="0"/>
-              <a:cs typeface="Tahoma" pitchFamily="34" charset="0"/>
-            </a:endParaRPr>
+              <a:t>Nathaniel:10</a:t>
+            </a:r>
           </a:p>
           <a:p>
             <a:pPr marL="0" indent="0">
@@ -4126,13 +3999,8 @@
                 <a:ea typeface="Tahoma" pitchFamily="34" charset="0"/>
                 <a:cs typeface="Tahoma" pitchFamily="34" charset="0"/>
               </a:rPr>
-              <a:t>Henry:8</a:t>
-            </a:r>
-            <a:endParaRPr lang="en-GB" sz="2400" dirty="0" smtClean="0">
-              <a:latin typeface="Tahoma" pitchFamily="34" charset="0"/>
-              <a:ea typeface="Tahoma" pitchFamily="34" charset="0"/>
-              <a:cs typeface="Tahoma" pitchFamily="34" charset="0"/>
-            </a:endParaRPr>
+              <a:t>Henry:5</a:t>
+            </a:r>
           </a:p>
           <a:p>
             <a:pPr marL="0" indent="0">
@@ -4144,15 +4012,15 @@
                 <a:ea typeface="Tahoma" pitchFamily="34" charset="0"/>
                 <a:cs typeface="Tahoma" pitchFamily="34" charset="0"/>
               </a:rPr>
-              <a:t>Heather: </a:t>
-            </a:r>
-            <a:r>
-              <a:rPr lang="en-GB" sz="2400" dirty="0" smtClean="0">
+              <a:t>Heather</a:t>
+            </a:r>
+            <a:r>
+              <a:rPr lang="en-GB" sz="2400" smtClean="0">
                 <a:latin typeface="Tahoma" pitchFamily="34" charset="0"/>
                 <a:ea typeface="Tahoma" pitchFamily="34" charset="0"/>
                 <a:cs typeface="Tahoma" pitchFamily="34" charset="0"/>
               </a:rPr>
-              <a:t>20</a:t>
+              <a:t>: 22</a:t>
             </a:r>
             <a:endParaRPr lang="en-GB" sz="2400" dirty="0" smtClean="0">
               <a:latin typeface="Tahoma" pitchFamily="34" charset="0"/>
@@ -4191,7 +4059,7 @@
 </p:sld>
 </file>
 
-<file path=ppt/slides/slide9.xml><?xml version="1.0" encoding="utf-8"?>
+<file path=ppt/slides/slide8.xml><?xml version="1.0" encoding="utf-8"?>
 <p:sld xmlns:a="http://schemas.openxmlformats.org/drawingml/2006/main" xmlns:r="http://schemas.openxmlformats.org/officeDocument/2006/relationships" xmlns:p="http://schemas.openxmlformats.org/presentationml/2006/main">
   <p:cSld>
     <p:spTree>
